--- a/PowerPoint Slides/06 - Syntax Analysis.pptx
+++ b/PowerPoint Slides/06 - Syntax Analysis.pptx
@@ -15818,7 +15818,7 @@
           <a:p>
             <a:r>
               <a:rPr lang="en-US" dirty="0"/>
-              <a:t>In Java, the loop structure that tests at the bottom is called a do-while loop, so the algorithm implemented in Java would more closely resemble the following:</a:t>
+              <a:t>In Kotlin, the loop structure that tests at the bottom is called a do-while loop, so the algorithm implemented in Kotlin would more closely resemble the following:</a:t>
             </a:r>
           </a:p>
           <a:p>

--- a/PowerPoint Slides/06 - Syntax Analysis.pptx
+++ b/PowerPoint Slides/06 - Syntax Analysis.pptx
@@ -16588,8 +16588,17 @@
               <a:rPr lang="en-US" sz="1800" dirty="0">
                 <a:latin typeface="Consolas" pitchFamily="49" charset="0"/>
               </a:rPr>
-              <a:t>    match(Symbol.exitRW);</a:t>
-            </a:r>
+              <a:t>    match(Symbol.</a:t>
+            </a:r>
+            <a:r>
+              <a:rPr lang="en-US" sz="1800">
+                <a:latin typeface="Consolas" pitchFamily="49" charset="0"/>
+              </a:rPr>
+              <a:t>exitRW)</a:t>
+            </a:r>
+            <a:endParaRPr lang="en-US" sz="1800" dirty="0">
+              <a:latin typeface="Consolas" pitchFamily="49" charset="0"/>
+            </a:endParaRPr>
           </a:p>
           <a:p>
             <a:pPr lvl="1">

--- a/PowerPoint Slides/06 - Syntax Analysis.pptx
+++ b/PowerPoint Slides/06 - Syntax Analysis.pptx
@@ -25400,7 +25400,21 @@
                 <a:latin typeface="Consolas" pitchFamily="49" charset="0"/>
                 <a:cs typeface="Consolas" pitchFamily="49" charset="0"/>
               </a:rPr>
-              <a:t>if (scanner.getSymbol() == Symbol.leftParen)</a:t>
+              <a:t>if (</a:t>
+            </a:r>
+            <a:r>
+              <a:rPr lang="en-US" sz="1800">
+                <a:latin typeface="Consolas" pitchFamily="49" charset="0"/>
+                <a:cs typeface="Consolas" pitchFamily="49" charset="0"/>
+              </a:rPr>
+              <a:t>scanner.symbol </a:t>
+            </a:r>
+            <a:r>
+              <a:rPr lang="en-US" sz="1800" dirty="0">
+                <a:latin typeface="Consolas" pitchFamily="49" charset="0"/>
+                <a:cs typeface="Consolas" pitchFamily="49" charset="0"/>
+              </a:rPr>
+              <a:t>== Symbol.leftParen)</a:t>
             </a:r>
           </a:p>
           <a:p>
@@ -30324,33 +30338,18 @@
           <a:p>
             <a:r>
               <a:rPr lang="en-US" dirty="0"/>
-              <a:t>The scanner method </a:t>
-            </a:r>
-            <a:r>
-              <a:rPr lang="en-US" dirty="0" err="1">
+              <a:t>The scanner property </a:t>
+            </a:r>
+            <a:r>
+              <a:rPr lang="en-US" dirty="0">
                 <a:latin typeface="Consolas" pitchFamily="49" charset="0"/>
                 <a:cs typeface="Consolas" pitchFamily="49" charset="0"/>
               </a:rPr>
-              <a:t>getSymbol</a:t>
-            </a:r>
-            <a:r>
-              <a:rPr lang="en-US" dirty="0">
-                <a:latin typeface="Consolas" pitchFamily="49" charset="0"/>
-                <a:cs typeface="Consolas" pitchFamily="49" charset="0"/>
-              </a:rPr>
-              <a:t>()</a:t>
-            </a:r>
-            <a:r>
-              <a:rPr lang="en-US" dirty="0"/>
-              <a:t> provides one symbol “</a:t>
-            </a:r>
-            <a:r>
-              <a:rPr lang="en-US" dirty="0" err="1"/>
-              <a:t>lookahead</a:t>
-            </a:r>
-            <a:r>
-              <a:rPr lang="en-US" dirty="0"/>
-              <a:t>” for the parsing methods.</a:t>
+              <a:t>symbol</a:t>
+            </a:r>
+            <a:r>
+              <a:rPr lang="en-US" dirty="0"/>
+              <a:t> provides one symbol “lookahead” for the parsing methods.</a:t>
             </a:r>
           </a:p>
           <a:p>

--- a/PowerPoint Slides/06 - Syntax Analysis.pptx
+++ b/PowerPoint Slides/06 - Syntax Analysis.pptx
@@ -18,7 +18,7 @@
     <p:sldId id="289" r:id="rId6"/>
     <p:sldId id="310" r:id="rId7"/>
     <p:sldId id="290" r:id="rId8"/>
-    <p:sldId id="315" r:id="rId9"/>
+    <p:sldId id="371" r:id="rId9"/>
     <p:sldId id="311" r:id="rId10"/>
     <p:sldId id="292" r:id="rId11"/>
     <p:sldId id="312" r:id="rId12"/>
@@ -30366,7 +30366,7 @@
             </a:r>
             <a:r>
               <a:rPr lang="en-US" dirty="0"/>
-              <a:t>, the symbol returned from the scanner should contain a symbol that could start on the right side of the rule </a:t>
+              <a:t>, the symbol returned from the scanner should be a symbol that could start on the right side of the rule </a:t>
             </a:r>
             <a:r>
               <a:rPr lang="en-US" dirty="0">
@@ -30395,33 +30395,43 @@
               <a:t>On exit from the method </a:t>
             </a:r>
             <a:r>
-              <a:rPr lang="en-US" dirty="0" err="1">
+              <a:rPr lang="en-US" dirty="0">
                 <a:latin typeface="Consolas" pitchFamily="49" charset="0"/>
                 <a:cs typeface="Consolas" pitchFamily="49" charset="0"/>
               </a:rPr>
-              <a:t>parseN</a:t>
+              <a:t>parseN()</a:t>
+            </a:r>
+            <a:r>
+              <a:rPr lang="en-US" dirty="0"/>
+              <a:t>, the symbol returned from the scanner should be a symbol that could follow </a:t>
             </a:r>
             <a:r>
               <a:rPr lang="en-US" dirty="0">
-                <a:latin typeface="Consolas" pitchFamily="49" charset="0"/>
+                <a:latin typeface="Consolas" panose="020B0609020204030204" pitchFamily="49" charset="0"/>
                 <a:cs typeface="Consolas" pitchFamily="49" charset="0"/>
               </a:rPr>
-              <a:t>()</a:t>
-            </a:r>
-            <a:r>
-              <a:rPr lang="en-US" dirty="0"/>
-              <a:t>, the symbol returned from the scanner should contain the first symbol that could follow a syntactic phrase corresponding to </a:t>
+              <a:t>N</a:t>
             </a:r>
             <a:r>
               <a:rPr lang="en-US" dirty="0">
                 <a:cs typeface="Consolas" pitchFamily="49" charset="0"/>
               </a:rPr>
-              <a:t>N</a:t>
-            </a:r>
-            <a:r>
-              <a:rPr lang="en-US" dirty="0"/>
+              <a:t>; i.e., a symbol in </a:t>
+            </a:r>
+            <a:r>
+              <a:rPr lang="en-US" dirty="0">
+                <a:latin typeface="Consolas" panose="020B0609020204030204" pitchFamily="49" charset="0"/>
+                <a:cs typeface="Consolas" pitchFamily="49" charset="0"/>
+              </a:rPr>
+              <a:t>Follow(N)</a:t>
+            </a:r>
+            <a:r>
+              <a:rPr lang="en-US" dirty="0">
+                <a:cs typeface="Consolas" pitchFamily="49" charset="0"/>
+              </a:rPr>
               <a:t>.</a:t>
             </a:r>
+            <a:endParaRPr lang="en-US" dirty="0"/>
           </a:p>
           <a:p>
             <a:r>
